--- a/images/theory_analysis/Kubernetes_Authentication_Webhook/Kubernetes_Authentication_Webhook.pptx
+++ b/images/theory_analysis/Kubernetes_Authentication_Webhook/Kubernetes_Authentication_Webhook.pptx
@@ -218,7 +218,7 @@
           <a:p>
             <a:fld id="{6CD5550B-26C4-49A9-A5BA-636EF7BE6CE9}" type="datetimeFigureOut">
               <a:rPr lang="ko-KR" altLang="en-US" smtClean="0"/>
-              <a:t>2021-05-02</a:t>
+              <a:t>2021-05-03</a:t>
             </a:fld>
             <a:endParaRPr lang="ko-KR" altLang="en-US"/>
           </a:p>
@@ -1084,7 +1084,7 @@
           <a:p>
             <a:fld id="{FB30EDBD-1C2D-4C1E-B459-B60219FAB484}" type="datetimeFigureOut">
               <a:rPr lang="ko-KR" altLang="en-US" smtClean="0"/>
-              <a:t>2021-05-02</a:t>
+              <a:t>2021-05-03</a:t>
             </a:fld>
             <a:endParaRPr lang="ko-KR" altLang="en-US"/>
           </a:p>
@@ -1247,7 +1247,7 @@
           <a:p>
             <a:fld id="{FB30EDBD-1C2D-4C1E-B459-B60219FAB484}" type="datetimeFigureOut">
               <a:rPr lang="ko-KR" altLang="en-US" smtClean="0"/>
-              <a:t>2021-05-02</a:t>
+              <a:t>2021-05-03</a:t>
             </a:fld>
             <a:endParaRPr lang="ko-KR" altLang="en-US"/>
           </a:p>
@@ -1420,7 +1420,7 @@
           <a:p>
             <a:fld id="{FB30EDBD-1C2D-4C1E-B459-B60219FAB484}" type="datetimeFigureOut">
               <a:rPr lang="ko-KR" altLang="en-US" smtClean="0"/>
-              <a:t>2021-05-02</a:t>
+              <a:t>2021-05-03</a:t>
             </a:fld>
             <a:endParaRPr lang="ko-KR" altLang="en-US"/>
           </a:p>
@@ -1583,7 +1583,7 @@
           <a:p>
             <a:fld id="{FB30EDBD-1C2D-4C1E-B459-B60219FAB484}" type="datetimeFigureOut">
               <a:rPr lang="ko-KR" altLang="en-US" smtClean="0"/>
-              <a:t>2021-05-02</a:t>
+              <a:t>2021-05-03</a:t>
             </a:fld>
             <a:endParaRPr lang="ko-KR" altLang="en-US"/>
           </a:p>
@@ -1823,7 +1823,7 @@
           <a:p>
             <a:fld id="{FB30EDBD-1C2D-4C1E-B459-B60219FAB484}" type="datetimeFigureOut">
               <a:rPr lang="ko-KR" altLang="en-US" smtClean="0"/>
-              <a:t>2021-05-02</a:t>
+              <a:t>2021-05-03</a:t>
             </a:fld>
             <a:endParaRPr lang="ko-KR" altLang="en-US"/>
           </a:p>
@@ -2103,7 +2103,7 @@
           <a:p>
             <a:fld id="{FB30EDBD-1C2D-4C1E-B459-B60219FAB484}" type="datetimeFigureOut">
               <a:rPr lang="ko-KR" altLang="en-US" smtClean="0"/>
-              <a:t>2021-05-02</a:t>
+              <a:t>2021-05-03</a:t>
             </a:fld>
             <a:endParaRPr lang="ko-KR" altLang="en-US"/>
           </a:p>
@@ -2517,7 +2517,7 @@
           <a:p>
             <a:fld id="{FB30EDBD-1C2D-4C1E-B459-B60219FAB484}" type="datetimeFigureOut">
               <a:rPr lang="ko-KR" altLang="en-US" smtClean="0"/>
-              <a:t>2021-05-02</a:t>
+              <a:t>2021-05-03</a:t>
             </a:fld>
             <a:endParaRPr lang="ko-KR" altLang="en-US"/>
           </a:p>
@@ -2629,7 +2629,7 @@
           <a:p>
             <a:fld id="{FB30EDBD-1C2D-4C1E-B459-B60219FAB484}" type="datetimeFigureOut">
               <a:rPr lang="ko-KR" altLang="en-US" smtClean="0"/>
-              <a:t>2021-05-02</a:t>
+              <a:t>2021-05-03</a:t>
             </a:fld>
             <a:endParaRPr lang="ko-KR" altLang="en-US"/>
           </a:p>
@@ -2719,7 +2719,7 @@
           <a:p>
             <a:fld id="{FB30EDBD-1C2D-4C1E-B459-B60219FAB484}" type="datetimeFigureOut">
               <a:rPr lang="ko-KR" altLang="en-US" smtClean="0"/>
-              <a:t>2021-05-02</a:t>
+              <a:t>2021-05-03</a:t>
             </a:fld>
             <a:endParaRPr lang="ko-KR" altLang="en-US"/>
           </a:p>
@@ -2989,7 +2989,7 @@
           <a:p>
             <a:fld id="{FB30EDBD-1C2D-4C1E-B459-B60219FAB484}" type="datetimeFigureOut">
               <a:rPr lang="ko-KR" altLang="en-US" smtClean="0"/>
-              <a:t>2021-05-02</a:t>
+              <a:t>2021-05-03</a:t>
             </a:fld>
             <a:endParaRPr lang="ko-KR" altLang="en-US"/>
           </a:p>
@@ -3236,7 +3236,7 @@
           <a:p>
             <a:fld id="{FB30EDBD-1C2D-4C1E-B459-B60219FAB484}" type="datetimeFigureOut">
               <a:rPr lang="ko-KR" altLang="en-US" smtClean="0"/>
-              <a:t>2021-05-02</a:t>
+              <a:t>2021-05-03</a:t>
             </a:fld>
             <a:endParaRPr lang="ko-KR" altLang="en-US"/>
           </a:p>
@@ -3442,7 +3442,7 @@
           <a:p>
             <a:fld id="{FB30EDBD-1C2D-4C1E-B459-B60219FAB484}" type="datetimeFigureOut">
               <a:rPr lang="ko-KR" altLang="en-US" smtClean="0"/>
-              <a:t>2021-05-02</a:t>
+              <a:t>2021-05-03</a:t>
             </a:fld>
             <a:endParaRPr lang="ko-KR" altLang="en-US"/>
           </a:p>
@@ -4117,7 +4117,7 @@
           </a:prstGeom>
           <a:ln w="19050">
             <a:solidFill>
-              <a:srgbClr val="C00000"/>
+              <a:schemeClr val="tx2"/>
             </a:solidFill>
             <a:headEnd type="arrow" w="med" len="med"/>
             <a:tailEnd type="none" w="med" len="med"/>
@@ -4160,7 +4160,7 @@
           </a:prstGeom>
           <a:ln w="19050">
             <a:solidFill>
-              <a:srgbClr val="C00000"/>
+              <a:schemeClr val="tx2"/>
             </a:solidFill>
           </a:ln>
         </p:spPr>
@@ -4265,7 +4265,7 @@
           </a:prstGeom>
           <a:ln w="19050">
             <a:solidFill>
-              <a:srgbClr val="C00000"/>
+              <a:schemeClr val="tx2"/>
             </a:solidFill>
             <a:headEnd type="arrow" w="med" len="med"/>
             <a:tailEnd type="none" w="med" len="med"/>
@@ -4310,7 +4310,7 @@
           </a:prstGeom>
           <a:ln w="19050">
             <a:solidFill>
-              <a:srgbClr val="C00000"/>
+              <a:schemeClr val="tx2"/>
             </a:solidFill>
             <a:headEnd type="arrow" w="med" len="med"/>
             <a:tailEnd type="none" w="med" len="med"/>
@@ -4353,7 +4353,7 @@
           </a:prstGeom>
           <a:ln w="19050">
             <a:solidFill>
-              <a:srgbClr val="C00000"/>
+              <a:schemeClr val="tx2"/>
             </a:solidFill>
           </a:ln>
         </p:spPr>
@@ -4406,7 +4406,7 @@
           </a:prstGeom>
           <a:ln w="19050">
             <a:solidFill>
-              <a:srgbClr val="C00000"/>
+              <a:schemeClr val="tx2"/>
             </a:solidFill>
           </a:ln>
         </p:spPr>
@@ -4469,14 +4469,14 @@
             <a:r>
               <a:rPr lang="en-US" altLang="ko-KR" sz="1000">
                 <a:solidFill>
-                  <a:srgbClr val="C00000"/>
+                  <a:schemeClr val="tx2"/>
                 </a:solidFill>
               </a:rPr>
               <a:t>Token</a:t>
             </a:r>
             <a:endParaRPr lang="ko-KR" altLang="en-US" sz="1000">
               <a:solidFill>
-                <a:srgbClr val="C00000"/>
+                <a:schemeClr val="tx2"/>
               </a:solidFill>
             </a:endParaRPr>
           </a:p>
@@ -4514,7 +4514,7 @@
             <a:r>
               <a:rPr lang="en-US" altLang="ko-KR" sz="1000">
                 <a:solidFill>
-                  <a:srgbClr val="C00000"/>
+                  <a:schemeClr val="tx2"/>
                 </a:solidFill>
               </a:rPr>
               <a:t>TokenReview</a:t>
@@ -4525,14 +4525,14 @@
             <a:r>
               <a:rPr lang="en-US" altLang="ko-KR" sz="1000">
                 <a:solidFill>
-                  <a:srgbClr val="C00000"/>
+                  <a:schemeClr val="tx2"/>
                 </a:solidFill>
               </a:rPr>
               <a:t>with Spec</a:t>
             </a:r>
             <a:endParaRPr lang="ko-KR" altLang="en-US" sz="1000">
               <a:solidFill>
-                <a:srgbClr val="C00000"/>
+                <a:schemeClr val="tx2"/>
               </a:solidFill>
             </a:endParaRPr>
           </a:p>
@@ -4570,7 +4570,7 @@
             <a:r>
               <a:rPr lang="en-US" altLang="ko-KR" sz="1000">
                 <a:solidFill>
-                  <a:srgbClr val="C00000"/>
+                  <a:schemeClr val="tx2"/>
                 </a:solidFill>
               </a:rPr>
               <a:t>TokenReview</a:t>
@@ -4581,14 +4581,14 @@
             <a:r>
               <a:rPr lang="en-US" altLang="ko-KR" sz="1000">
                 <a:solidFill>
-                  <a:srgbClr val="C00000"/>
+                  <a:schemeClr val="tx2"/>
                 </a:solidFill>
               </a:rPr>
               <a:t>with Status</a:t>
             </a:r>
             <a:endParaRPr lang="ko-KR" altLang="en-US" sz="1000">
               <a:solidFill>
-                <a:srgbClr val="C00000"/>
+                <a:schemeClr val="tx2"/>
               </a:solidFill>
             </a:endParaRPr>
           </a:p>
@@ -4654,7 +4654,7 @@
         <p:spPr>
           <a:xfrm>
             <a:off x="1200324" y="2843678"/>
-            <a:ext cx="797013" cy="246221"/>
+            <a:ext cx="785793" cy="246221"/>
           </a:xfrm>
           <a:prstGeom prst="rect">
             <a:avLst/>
@@ -4669,9 +4669,384 @@
           <a:p>
             <a:r>
               <a:rPr lang="en-US" altLang="ko-KR" sz="1000"/>
+              <a:t>Get Token</a:t>
+            </a:r>
+            <a:endParaRPr lang="ko-KR" altLang="en-US" sz="1000"/>
+          </a:p>
+        </p:txBody>
+      </p:sp>
+      <p:cxnSp>
+        <p:nvCxnSpPr>
+          <p:cNvPr id="20" name="직선 화살표 연결선 19">
+            <a:extLst>
+              <a:ext uri="{FF2B5EF4-FFF2-40B4-BE49-F238E27FC236}">
+                <a16:creationId xmlns:a16="http://schemas.microsoft.com/office/drawing/2014/main" id="{9FB2AA2A-4E0B-45EA-9CCE-FB6FCC48297A}"/>
+              </a:ext>
+            </a:extLst>
+          </p:cNvPr>
+          <p:cNvCxnSpPr>
+            <a:cxnSpLocks/>
+          </p:cNvCxnSpPr>
+          <p:nvPr/>
+        </p:nvCxnSpPr>
+        <p:spPr>
+          <a:xfrm flipH="1">
+            <a:off x="809993" y="3198232"/>
+            <a:ext cx="381714" cy="0"/>
+          </a:xfrm>
+          <a:prstGeom prst="straightConnector1">
+            <a:avLst/>
+          </a:prstGeom>
+          <a:ln w="19050">
+            <a:solidFill>
+              <a:schemeClr val="tx2"/>
+            </a:solidFill>
+            <a:headEnd type="arrow" w="med" len="med"/>
+            <a:tailEnd type="none" w="med" len="med"/>
+          </a:ln>
+        </p:spPr>
+        <p:style>
+          <a:lnRef idx="1">
+            <a:schemeClr val="accent1"/>
+          </a:lnRef>
+          <a:fillRef idx="0">
+            <a:schemeClr val="accent1"/>
+          </a:fillRef>
+          <a:effectRef idx="0">
+            <a:schemeClr val="accent1"/>
+          </a:effectRef>
+          <a:fontRef idx="minor">
+            <a:schemeClr val="tx1"/>
+          </a:fontRef>
+        </p:style>
+      </p:cxnSp>
+      <p:sp>
+        <p:nvSpPr>
+          <p:cNvPr id="21" name="TextBox 20">
+            <a:extLst>
+              <a:ext uri="{FF2B5EF4-FFF2-40B4-BE49-F238E27FC236}">
+                <a16:creationId xmlns:a16="http://schemas.microsoft.com/office/drawing/2014/main" id="{BEAA8ED1-0EE3-4147-8FC9-0111B40E3775}"/>
+              </a:ext>
+            </a:extLst>
+          </p:cNvPr>
+          <p:cNvSpPr txBox="1"/>
+          <p:nvPr/>
+        </p:nvSpPr>
+        <p:spPr>
+          <a:xfrm>
+            <a:off x="1200324" y="3079655"/>
+            <a:ext cx="797013" cy="246221"/>
+          </a:xfrm>
+          <a:prstGeom prst="rect">
+            <a:avLst/>
+          </a:prstGeom>
+          <a:noFill/>
+        </p:spPr>
+        <p:txBody>
+          <a:bodyPr wrap="none" rtlCol="0">
+            <a:spAutoFit/>
+          </a:bodyPr>
+          <a:lstStyle/>
+          <a:p>
+            <a:r>
+              <a:rPr lang="en-US" altLang="ko-KR" sz="1000"/>
               <a:t>Use Token</a:t>
             </a:r>
             <a:endParaRPr lang="ko-KR" altLang="en-US" sz="1000"/>
+          </a:p>
+        </p:txBody>
+      </p:sp>
+      <p:sp>
+        <p:nvSpPr>
+          <p:cNvPr id="14" name="원호 13">
+            <a:extLst>
+              <a:ext uri="{FF2B5EF4-FFF2-40B4-BE49-F238E27FC236}">
+                <a16:creationId xmlns:a16="http://schemas.microsoft.com/office/drawing/2014/main" id="{54E22A55-3DA5-45C0-94AA-5CBD738DED74}"/>
+              </a:ext>
+            </a:extLst>
+          </p:cNvPr>
+          <p:cNvSpPr/>
+          <p:nvPr/>
+        </p:nvSpPr>
+        <p:spPr>
+          <a:xfrm rot="157708">
+            <a:off x="1471703" y="1432007"/>
+            <a:ext cx="5883364" cy="962478"/>
+          </a:xfrm>
+          <a:prstGeom prst="arc">
+            <a:avLst>
+              <a:gd name="adj1" fmla="val 10804230"/>
+              <a:gd name="adj2" fmla="val 0"/>
+            </a:avLst>
+          </a:prstGeom>
+          <a:ln w="12700">
+            <a:solidFill>
+              <a:srgbClr val="C00000"/>
+            </a:solidFill>
+            <a:headEnd type="arrow" w="med" len="med"/>
+            <a:tailEnd type="none" w="med" len="med"/>
+          </a:ln>
+        </p:spPr>
+        <p:style>
+          <a:lnRef idx="1">
+            <a:schemeClr val="accent1"/>
+          </a:lnRef>
+          <a:fillRef idx="0">
+            <a:schemeClr val="accent1"/>
+          </a:fillRef>
+          <a:effectRef idx="0">
+            <a:schemeClr val="accent1"/>
+          </a:effectRef>
+          <a:fontRef idx="minor">
+            <a:schemeClr val="tx1"/>
+          </a:fontRef>
+        </p:style>
+        <p:txBody>
+          <a:bodyPr rtlCol="0" anchor="ctr"/>
+          <a:lstStyle/>
+          <a:p>
+            <a:pPr algn="ctr"/>
+            <a:endParaRPr lang="ko-KR" altLang="en-US"/>
+          </a:p>
+        </p:txBody>
+      </p:sp>
+      <p:sp>
+        <p:nvSpPr>
+          <p:cNvPr id="39" name="원호 38">
+            <a:extLst>
+              <a:ext uri="{FF2B5EF4-FFF2-40B4-BE49-F238E27FC236}">
+                <a16:creationId xmlns:a16="http://schemas.microsoft.com/office/drawing/2014/main" id="{360A52BF-BCBB-4FF6-9912-4DF38E67DEEC}"/>
+              </a:ext>
+            </a:extLst>
+          </p:cNvPr>
+          <p:cNvSpPr/>
+          <p:nvPr/>
+        </p:nvSpPr>
+        <p:spPr>
+          <a:xfrm rot="157708">
+            <a:off x="1324256" y="1368664"/>
+            <a:ext cx="6185250" cy="1093263"/>
+          </a:xfrm>
+          <a:prstGeom prst="arc">
+            <a:avLst>
+              <a:gd name="adj1" fmla="val 10804230"/>
+              <a:gd name="adj2" fmla="val 0"/>
+            </a:avLst>
+          </a:prstGeom>
+          <a:ln w="12700">
+            <a:solidFill>
+              <a:srgbClr val="C00000"/>
+            </a:solidFill>
+            <a:headEnd type="none" w="med" len="med"/>
+            <a:tailEnd type="arrow" w="med" len="med"/>
+          </a:ln>
+        </p:spPr>
+        <p:style>
+          <a:lnRef idx="1">
+            <a:schemeClr val="accent1"/>
+          </a:lnRef>
+          <a:fillRef idx="0">
+            <a:schemeClr val="accent1"/>
+          </a:fillRef>
+          <a:effectRef idx="0">
+            <a:schemeClr val="accent1"/>
+          </a:effectRef>
+          <a:fontRef idx="minor">
+            <a:schemeClr val="tx1"/>
+          </a:fontRef>
+        </p:style>
+        <p:txBody>
+          <a:bodyPr rtlCol="0" anchor="ctr"/>
+          <a:lstStyle/>
+          <a:p>
+            <a:pPr algn="ctr"/>
+            <a:endParaRPr lang="ko-KR" altLang="en-US"/>
+          </a:p>
+        </p:txBody>
+      </p:sp>
+      <p:sp>
+        <p:nvSpPr>
+          <p:cNvPr id="40" name="타원 39">
+            <a:extLst>
+              <a:ext uri="{FF2B5EF4-FFF2-40B4-BE49-F238E27FC236}">
+                <a16:creationId xmlns:a16="http://schemas.microsoft.com/office/drawing/2014/main" id="{D02D854D-37A3-45A7-AFE2-A6FA3A92B16F}"/>
+              </a:ext>
+            </a:extLst>
+          </p:cNvPr>
+          <p:cNvSpPr/>
+          <p:nvPr/>
+        </p:nvSpPr>
+        <p:spPr>
+          <a:xfrm>
+            <a:off x="1180867" y="1647887"/>
+            <a:ext cx="222672" cy="213266"/>
+          </a:xfrm>
+          <a:prstGeom prst="ellipse">
+            <a:avLst/>
+          </a:prstGeom>
+          <a:ln w="19050">
+            <a:solidFill>
+              <a:srgbClr val="C00000"/>
+            </a:solidFill>
+          </a:ln>
+        </p:spPr>
+        <p:style>
+          <a:lnRef idx="2">
+            <a:schemeClr val="accent2"/>
+          </a:lnRef>
+          <a:fillRef idx="1">
+            <a:schemeClr val="lt1"/>
+          </a:fillRef>
+          <a:effectRef idx="0">
+            <a:schemeClr val="accent2"/>
+          </a:effectRef>
+          <a:fontRef idx="minor">
+            <a:schemeClr val="dk1"/>
+          </a:fontRef>
+        </p:style>
+        <p:txBody>
+          <a:bodyPr rtlCol="0" anchor="ctr"/>
+          <a:lstStyle/>
+          <a:p>
+            <a:pPr algn="ctr"/>
+            <a:r>
+              <a:rPr lang="en-US" altLang="ko-KR" sz="1000"/>
+              <a:t>1</a:t>
+            </a:r>
+            <a:endParaRPr lang="ko-KR" altLang="en-US" sz="1000"/>
+          </a:p>
+        </p:txBody>
+      </p:sp>
+      <p:sp>
+        <p:nvSpPr>
+          <p:cNvPr id="41" name="타원 40">
+            <a:extLst>
+              <a:ext uri="{FF2B5EF4-FFF2-40B4-BE49-F238E27FC236}">
+                <a16:creationId xmlns:a16="http://schemas.microsoft.com/office/drawing/2014/main" id="{C8906B71-4915-43D4-A158-DD08C71959C8}"/>
+              </a:ext>
+            </a:extLst>
+          </p:cNvPr>
+          <p:cNvSpPr/>
+          <p:nvPr/>
+        </p:nvSpPr>
+        <p:spPr>
+          <a:xfrm>
+            <a:off x="7200559" y="1905022"/>
+            <a:ext cx="222672" cy="213266"/>
+          </a:xfrm>
+          <a:prstGeom prst="ellipse">
+            <a:avLst/>
+          </a:prstGeom>
+          <a:ln w="19050">
+            <a:solidFill>
+              <a:srgbClr val="C00000"/>
+            </a:solidFill>
+          </a:ln>
+        </p:spPr>
+        <p:style>
+          <a:lnRef idx="2">
+            <a:schemeClr val="accent2"/>
+          </a:lnRef>
+          <a:fillRef idx="1">
+            <a:schemeClr val="lt1"/>
+          </a:fillRef>
+          <a:effectRef idx="0">
+            <a:schemeClr val="accent2"/>
+          </a:effectRef>
+          <a:fontRef idx="minor">
+            <a:schemeClr val="dk1"/>
+          </a:fontRef>
+        </p:style>
+        <p:txBody>
+          <a:bodyPr rtlCol="0" anchor="ctr"/>
+          <a:lstStyle/>
+          <a:p>
+            <a:pPr algn="ctr"/>
+            <a:r>
+              <a:rPr lang="en-US" altLang="ko-KR" sz="1000"/>
+              <a:t>2</a:t>
+            </a:r>
+            <a:endParaRPr lang="ko-KR" altLang="en-US" sz="1000"/>
+          </a:p>
+        </p:txBody>
+      </p:sp>
+      <p:sp>
+        <p:nvSpPr>
+          <p:cNvPr id="42" name="TextBox 41">
+            <a:extLst>
+              <a:ext uri="{FF2B5EF4-FFF2-40B4-BE49-F238E27FC236}">
+                <a16:creationId xmlns:a16="http://schemas.microsoft.com/office/drawing/2014/main" id="{16B36850-6B79-4DA1-8781-5452DD360CF1}"/>
+              </a:ext>
+            </a:extLst>
+          </p:cNvPr>
+          <p:cNvSpPr txBox="1"/>
+          <p:nvPr/>
+        </p:nvSpPr>
+        <p:spPr>
+          <a:xfrm>
+            <a:off x="4008389" y="1139401"/>
+            <a:ext cx="923651" cy="246221"/>
+          </a:xfrm>
+          <a:prstGeom prst="rect">
+            <a:avLst/>
+          </a:prstGeom>
+          <a:noFill/>
+        </p:spPr>
+        <p:txBody>
+          <a:bodyPr wrap="none" rtlCol="0">
+            <a:spAutoFit/>
+          </a:bodyPr>
+          <a:lstStyle/>
+          <a:p>
+            <a:pPr algn="ctr"/>
+            <a:r>
+              <a:rPr lang="en-US" altLang="ko-KR" sz="1000">
+                <a:solidFill>
+                  <a:srgbClr val="C00000"/>
+                </a:solidFill>
+              </a:rPr>
+              <a:t>Authenticate</a:t>
+            </a:r>
+          </a:p>
+        </p:txBody>
+      </p:sp>
+      <p:sp>
+        <p:nvSpPr>
+          <p:cNvPr id="43" name="TextBox 42">
+            <a:extLst>
+              <a:ext uri="{FF2B5EF4-FFF2-40B4-BE49-F238E27FC236}">
+                <a16:creationId xmlns:a16="http://schemas.microsoft.com/office/drawing/2014/main" id="{F6E47BCD-1B69-40B1-B7AD-E978E84FE24A}"/>
+              </a:ext>
+            </a:extLst>
+          </p:cNvPr>
+          <p:cNvSpPr txBox="1"/>
+          <p:nvPr/>
+        </p:nvSpPr>
+        <p:spPr>
+          <a:xfrm>
+            <a:off x="4201552" y="1401666"/>
+            <a:ext cx="537327" cy="246221"/>
+          </a:xfrm>
+          <a:prstGeom prst="rect">
+            <a:avLst/>
+          </a:prstGeom>
+          <a:noFill/>
+        </p:spPr>
+        <p:txBody>
+          <a:bodyPr wrap="none" rtlCol="0">
+            <a:spAutoFit/>
+          </a:bodyPr>
+          <a:lstStyle/>
+          <a:p>
+            <a:pPr algn="ctr"/>
+            <a:r>
+              <a:rPr lang="en-US" altLang="ko-KR" sz="1000">
+                <a:solidFill>
+                  <a:srgbClr val="C00000"/>
+                </a:solidFill>
+              </a:rPr>
+              <a:t>Token</a:t>
+            </a:r>
           </a:p>
         </p:txBody>
       </p:sp>
